--- a/Capstone_3_Presentation.pptx
+++ b/Capstone_3_Presentation.pptx
@@ -373,7 +373,7 @@
             <a:fld id="{B61BEF0D-F0BB-DE4B-95CE-6DB70DBA9567}" type="datetimeFigureOut">
               <a:rPr lang="en-US" dirty="0"/>
               <a:pPr/>
-              <a:t>12/16/20</a:t>
+              <a:t>12/18/20</a:t>
             </a:fld>
             <a:endParaRPr lang="en-US" dirty="0"/>
           </a:p>
@@ -632,7 +632,7 @@
             <a:fld id="{B61BEF0D-F0BB-DE4B-95CE-6DB70DBA9567}" type="datetimeFigureOut">
               <a:rPr lang="en-US" dirty="0"/>
               <a:pPr/>
-              <a:t>12/16/20</a:t>
+              <a:t>12/18/20</a:t>
             </a:fld>
             <a:endParaRPr lang="en-US" dirty="0"/>
           </a:p>
@@ -864,7 +864,7 @@
             <a:fld id="{B61BEF0D-F0BB-DE4B-95CE-6DB70DBA9567}" type="datetimeFigureOut">
               <a:rPr lang="en-US" dirty="0"/>
               <a:pPr/>
-              <a:t>12/16/20</a:t>
+              <a:t>12/18/20</a:t>
             </a:fld>
             <a:endParaRPr lang="en-US" dirty="0"/>
           </a:p>
@@ -1101,7 +1101,7 @@
             <a:fld id="{B61BEF0D-F0BB-DE4B-95CE-6DB70DBA9567}" type="datetimeFigureOut">
               <a:rPr lang="en-US" dirty="0"/>
               <a:pPr/>
-              <a:t>12/16/20</a:t>
+              <a:t>12/18/20</a:t>
             </a:fld>
             <a:endParaRPr lang="en-US" dirty="0"/>
           </a:p>
@@ -1405,7 +1405,7 @@
             <a:fld id="{B61BEF0D-F0BB-DE4B-95CE-6DB70DBA9567}" type="datetimeFigureOut">
               <a:rPr lang="en-US" dirty="0"/>
               <a:pPr/>
-              <a:t>12/16/20</a:t>
+              <a:t>12/18/20</a:t>
             </a:fld>
             <a:endParaRPr lang="en-US" dirty="0"/>
           </a:p>
@@ -1704,7 +1704,7 @@
             <a:fld id="{B61BEF0D-F0BB-DE4B-95CE-6DB70DBA9567}" type="datetimeFigureOut">
               <a:rPr lang="en-US" dirty="0"/>
               <a:pPr/>
-              <a:t>12/16/20</a:t>
+              <a:t>12/18/20</a:t>
             </a:fld>
             <a:endParaRPr lang="en-US" dirty="0"/>
           </a:p>
@@ -2123,7 +2123,7 @@
             <a:fld id="{B61BEF0D-F0BB-DE4B-95CE-6DB70DBA9567}" type="datetimeFigureOut">
               <a:rPr lang="en-US" dirty="0"/>
               <a:pPr/>
-              <a:t>12/16/20</a:t>
+              <a:t>12/18/20</a:t>
             </a:fld>
             <a:endParaRPr lang="en-US" dirty="0"/>
           </a:p>
@@ -2282,7 +2282,7 @@
             <a:fld id="{B61BEF0D-F0BB-DE4B-95CE-6DB70DBA9567}" type="datetimeFigureOut">
               <a:rPr lang="en-US" dirty="0"/>
               <a:pPr/>
-              <a:t>12/16/20</a:t>
+              <a:t>12/18/20</a:t>
             </a:fld>
             <a:endParaRPr lang="en-US" dirty="0"/>
           </a:p>
@@ -2374,7 +2374,7 @@
             <a:fld id="{B61BEF0D-F0BB-DE4B-95CE-6DB70DBA9567}" type="datetimeFigureOut">
               <a:rPr lang="en-US" dirty="0"/>
               <a:pPr/>
-              <a:t>12/16/20</a:t>
+              <a:t>12/18/20</a:t>
             </a:fld>
             <a:endParaRPr lang="en-US" dirty="0"/>
           </a:p>
@@ -2749,7 +2749,7 @@
             <a:fld id="{B61BEF0D-F0BB-DE4B-95CE-6DB70DBA9567}" type="datetimeFigureOut">
               <a:rPr lang="en-US" dirty="0"/>
               <a:pPr/>
-              <a:t>12/16/20</a:t>
+              <a:t>12/18/20</a:t>
             </a:fld>
             <a:endParaRPr lang="en-US" dirty="0"/>
           </a:p>
@@ -3035,7 +3035,7 @@
             <a:fld id="{B61BEF0D-F0BB-DE4B-95CE-6DB70DBA9567}" type="datetimeFigureOut">
               <a:rPr lang="en-US" dirty="0"/>
               <a:pPr/>
-              <a:t>12/16/20</a:t>
+              <a:t>12/18/20</a:t>
             </a:fld>
             <a:endParaRPr lang="en-US" dirty="0"/>
           </a:p>
@@ -3243,7 +3243,7 @@
             <a:fld id="{B61BEF0D-F0BB-DE4B-95CE-6DB70DBA9567}" type="datetimeFigureOut">
               <a:rPr lang="en-US" dirty="0"/>
               <a:pPr/>
-              <a:t>12/16/20</a:t>
+              <a:t>12/18/20</a:t>
             </a:fld>
             <a:endParaRPr lang="en-US" dirty="0"/>
           </a:p>
@@ -5031,7 +5031,7 @@
           <a:p>
             <a:r>
               <a:rPr lang="en-US" dirty="0"/>
-              <a:t>Complaint classification at big banks to improve customer satisfaction</a:t>
+              <a:t>Big banks will always get complaints from customers about all sorts of different products. Being able to classify complaints to help identify the root cause of the issue can be crucial in maintaining and improving customer satisfaction</a:t>
             </a:r>
           </a:p>
           <a:p>
@@ -5269,36 +5269,6 @@
           </a:p>
         </p:txBody>
       </p:sp>
-      <p:pic>
-        <p:nvPicPr>
-          <p:cNvPr id="5" name="Picture 4">
-            <a:extLst>
-              <a:ext uri="{FF2B5EF4-FFF2-40B4-BE49-F238E27FC236}">
-                <a16:creationId xmlns:a16="http://schemas.microsoft.com/office/drawing/2014/main" id="{CB21B2B4-23DA-5D48-B497-6C3D9E9BE6A6}"/>
-              </a:ext>
-            </a:extLst>
-          </p:cNvPr>
-          <p:cNvPicPr>
-            <a:picLocks noChangeAspect="1"/>
-          </p:cNvPicPr>
-          <p:nvPr/>
-        </p:nvPicPr>
-        <p:blipFill>
-          <a:blip r:embed="rId2"/>
-          <a:stretch>
-            <a:fillRect/>
-          </a:stretch>
-        </p:blipFill>
-        <p:spPr>
-          <a:xfrm>
-            <a:off x="3471861" y="3068785"/>
-            <a:ext cx="8243889" cy="3527195"/>
-          </a:xfrm>
-          <a:prstGeom prst="rect">
-            <a:avLst/>
-          </a:prstGeom>
-        </p:spPr>
-      </p:pic>
     </p:spTree>
     <p:extLst>
       <p:ext uri="{BB962C8B-B14F-4D97-AF65-F5344CB8AC3E}">

--- a/Capstone_3_Presentation.pptx
+++ b/Capstone_3_Presentation.pptx
@@ -4555,6 +4555,23 @@
               <a:t>Compare with the assigned topic to understand a possible other driver</a:t>
             </a:r>
           </a:p>
+          <a:p>
+            <a:r>
+              <a:rPr lang="en-US" dirty="0"/>
+              <a:t>Executives can use it to action on complaints instead of reading/analyzing them manually</a:t>
+            </a:r>
+          </a:p>
+          <a:p>
+            <a:r>
+              <a:rPr lang="en-US" dirty="0"/>
+              <a:t>Company saves on more productive leaders and increased </a:t>
+            </a:r>
+            <a:r>
+              <a:rPr lang="en-US"/>
+              <a:t>customer satisfaction</a:t>
+            </a:r>
+            <a:endParaRPr lang="en-US" dirty="0"/>
+          </a:p>
         </p:txBody>
       </p:sp>
     </p:spTree>
